--- a/Final Submission/INFM600_0201_TeamAwesome_Presentation.pptx
+++ b/Final Submission/INFM600_0201_TeamAwesome_Presentation.pptx
@@ -34,14 +34,14 @@
   <p:notesSz cx="6858000" cy="9144000"/>
   <p:embeddedFontLst>
     <p:embeddedFont>
-      <p:font typeface="Quattrocento Sans" panose="020B0604020202020204" charset="0"/>
+      <p:font typeface="Lora" panose="020B0604020202020204" charset="0"/>
       <p:regular r:id="rId24"/>
       <p:bold r:id="rId25"/>
       <p:italic r:id="rId26"/>
       <p:boldItalic r:id="rId27"/>
     </p:embeddedFont>
     <p:embeddedFont>
-      <p:font typeface="Lora" panose="020B0604020202020204" charset="0"/>
+      <p:font typeface="Quattrocento Sans" panose="020B0604020202020204" charset="0"/>
       <p:regular r:id="rId28"/>
       <p:bold r:id="rId29"/>
       <p:italic r:id="rId30"/>
@@ -250,6 +250,11 @@
       </a:defRPr>
     </a:lvl9pPr>
   </p:defaultTextStyle>
+  <p:extLst>
+    <p:ext uri="{EFAFB233-063F-42B5-8137-9DF3F51BA10A}">
+      <p15:sldGuideLst xmlns:p15="http://schemas.microsoft.com/office/powerpoint/2012/main"/>
+    </p:ext>
+  </p:extLst>
 </p:presentation>
 </file>
 
@@ -700,10 +705,7 @@
               </a:spcBef>
               <a:buNone/>
             </a:pPr>
-            <a:r>
-              <a:rPr lang="en"/>
-              <a:t>One example, business news, which was a part of our first question, represents weekday vs. weekend.</a:t>
-            </a:r>
+            <a:endParaRPr lang="en" dirty="0"/>
           </a:p>
         </p:txBody>
       </p:sp>
@@ -1208,10 +1210,7 @@
               </a:spcBef>
               <a:buNone/>
             </a:pPr>
-            <a:r>
-              <a:rPr lang="en"/>
-              <a:t>Read the question. First, we wanted to check that does the number of shares even depend on the type of articles? Or is it purely a function of the number of articles published?</a:t>
-            </a:r>
+            <a:endParaRPr lang="en" dirty="0"/>
           </a:p>
         </p:txBody>
       </p:sp>
@@ -1312,10 +1311,7 @@
               </a:spcBef>
               <a:buNone/>
             </a:pPr>
-            <a:r>
-              <a:rPr lang="en"/>
-              <a:t>These 2 graphs make it clear that higher number of articles published doesn’t mean more shares. Content of the articles matters.</a:t>
-            </a:r>
+            <a:endParaRPr lang="en" dirty="0"/>
           </a:p>
         </p:txBody>
       </p:sp>
@@ -1416,10 +1412,7 @@
               </a:spcBef>
               <a:buNone/>
             </a:pPr>
-            <a:r>
-              <a:rPr lang="en"/>
-              <a:t>What is positive and negative news? - we had the total number of negative and positive words in an article. We calculated the average number of positive/negative words in an article. Articles with at least twice the average were considered as positive/negative news. Other methods could also be used.</a:t>
-            </a:r>
+            <a:endParaRPr lang="en" dirty="0"/>
           </a:p>
         </p:txBody>
       </p:sp>
@@ -1520,14 +1513,7 @@
               </a:spcBef>
               <a:buNone/>
             </a:pPr>
-            <a:r>
-              <a:rPr lang="en"/>
-              <a:t>Difference in the average number of positive and negative means is not statistically significant. It is possible to get a statistically significant result if use another method defining positive and negative news maybe. </a:t>
-            </a:r>
-            <a:r>
-              <a:rPr lang="en" b="1"/>
-              <a:t>// OR if we have data for ONLY articles and not news articles as news articles cannot be controlled whereas featured articles can be.</a:t>
-            </a:r>
+            <a:endParaRPr lang="en" b="1" dirty="0"/>
           </a:p>
         </p:txBody>
       </p:sp>
@@ -1729,31 +1715,7 @@
               </a:spcBef>
               <a:buNone/>
             </a:pPr>
-            <a:r>
-              <a:rPr lang="en"/>
-              <a:t>1.How to add Importance and the questions in 1 slide without making it verbose? May be write one line for importance and talk about it more?</a:t>
-            </a:r>
-          </a:p>
-          <a:p>
-            <a:pPr lvl="0">
-              <a:spcBef>
-                <a:spcPts val="0"/>
-              </a:spcBef>
-              <a:buNone/>
-            </a:pPr>
-            <a:r>
-              <a:rPr lang="en"/>
-              <a:t>2. Talk about how each research question can help digital media companies</a:t>
-            </a:r>
-          </a:p>
-          <a:p>
-            <a:pPr lvl="0" rtl="0">
-              <a:spcBef>
-                <a:spcPts val="0"/>
-              </a:spcBef>
-              <a:buNone/>
-            </a:pPr>
-            <a:endParaRPr/>
+            <a:endParaRPr dirty="0"/>
           </a:p>
         </p:txBody>
       </p:sp>
@@ -2368,22 +2330,7 @@
               </a:spcBef>
               <a:buNone/>
             </a:pPr>
-            <a:r>
-              <a:rPr lang="en"/>
-              <a:t>1.  Talk about data set, articles from 2013 to 2015, give examples of attributes #images, #words in title etc. etc.</a:t>
-            </a:r>
-          </a:p>
-          <a:p>
-            <a:pPr lvl="0" rtl="0">
-              <a:spcBef>
-                <a:spcPts val="0"/>
-              </a:spcBef>
-              <a:buNone/>
-            </a:pPr>
-            <a:r>
-              <a:rPr lang="en"/>
-              <a:t>2. #shares is our DV, “With our analysis, we tried to study the effect of independent variables on this”</a:t>
-            </a:r>
+            <a:endParaRPr lang="en" dirty="0"/>
           </a:p>
         </p:txBody>
       </p:sp>
@@ -2585,10 +2532,7 @@
               </a:spcBef>
               <a:buNone/>
             </a:pPr>
-            <a:r>
-              <a:rPr lang="en"/>
-              <a:t>We have a total of 8 minutes. I’m thinking, 2 mins for intro (our data set, target audience etc.) and then 2 mins. Per research question. Add slides for each of your research questions accordingly!</a:t>
-            </a:r>
+            <a:endParaRPr lang="en" dirty="0"/>
           </a:p>
         </p:txBody>
       </p:sp>

--- a/Final Submission/INFM600_0201_TeamAwesome_Presentation.pptx
+++ b/Final Submission/INFM600_0201_TeamAwesome_Presentation.pptx
@@ -34,18 +34,17 @@
   <p:notesSz cx="6858000" cy="9144000"/>
   <p:embeddedFontLst>
     <p:embeddedFont>
-      <p:font typeface="Lora" panose="020B0604020202020204" charset="0"/>
-      <p:regular r:id="rId24"/>
-      <p:bold r:id="rId25"/>
-      <p:italic r:id="rId26"/>
-      <p:boldItalic r:id="rId27"/>
+      <p:font typeface="Quattrocento Sans" panose="020B0604020202020204" charset="0"/>
+      <p:bold r:id="rId24"/>
+      <p:italic r:id="rId25"/>
+      <p:boldItalic r:id="rId26"/>
     </p:embeddedFont>
     <p:embeddedFont>
-      <p:font typeface="Quattrocento Sans" panose="020B0604020202020204" charset="0"/>
-      <p:regular r:id="rId28"/>
-      <p:bold r:id="rId29"/>
-      <p:italic r:id="rId30"/>
-      <p:boldItalic r:id="rId31"/>
+      <p:font typeface="Lora" panose="020B0604020202020204" charset="0"/>
+      <p:regular r:id="rId27"/>
+      <p:bold r:id="rId28"/>
+      <p:italic r:id="rId29"/>
+      <p:boldItalic r:id="rId30"/>
     </p:embeddedFont>
   </p:embeddedFontLst>
   <p:defaultTextStyle>
@@ -250,11 +249,6 @@
       </a:defRPr>
     </a:lvl9pPr>
   </p:defaultTextStyle>
-  <p:extLst>
-    <p:ext uri="{EFAFB233-063F-42B5-8137-9DF3F51BA10A}">
-      <p15:sldGuideLst xmlns:p15="http://schemas.microsoft.com/office/powerpoint/2012/main"/>
-    </p:ext>
-  </p:extLst>
 </p:presentation>
 </file>
 
@@ -418,6 +412,11 @@
         </p:txBody>
       </p:sp>
     </p:spTree>
+    <p:extLst>
+      <p:ext uri="{BB962C8B-B14F-4D97-AF65-F5344CB8AC3E}">
+        <p14:creationId xmlns:p14="http://schemas.microsoft.com/office/powerpoint/2010/main" val="2861351593"/>
+      </p:ext>
+    </p:extLst>
   </p:cSld>
   <p:clrMap bg1="lt1" tx1="dk1" bg2="dk2" tx2="lt2" accent1="accent1" accent2="accent2" accent3="accent3" accent4="accent4" accent5="accent5" accent6="accent6" hlink="hlink" folHlink="folHlink"/>
   <p:notesStyle>
@@ -544,8 +543,8 @@
         </p:nvSpPr>
         <p:spPr>
           <a:xfrm>
-            <a:off x="381175" y="685800"/>
-            <a:ext cx="6096299" cy="3429000"/>
+            <a:off x="381000" y="685800"/>
+            <a:ext cx="6096000" cy="3429000"/>
           </a:xfrm>
           <a:custGeom>
             <a:avLst/>
@@ -645,8 +644,8 @@
         </p:nvSpPr>
         <p:spPr>
           <a:xfrm>
-            <a:off x="381175" y="685800"/>
-            <a:ext cx="6096299" cy="3429000"/>
+            <a:off x="381000" y="685800"/>
+            <a:ext cx="6096000" cy="3429000"/>
           </a:xfrm>
           <a:custGeom>
             <a:avLst/>
@@ -746,8 +745,8 @@
         </p:nvSpPr>
         <p:spPr>
           <a:xfrm>
-            <a:off x="381175" y="685800"/>
-            <a:ext cx="6096299" cy="3429000"/>
+            <a:off x="381000" y="685800"/>
+            <a:ext cx="6096000" cy="3429000"/>
           </a:xfrm>
           <a:custGeom>
             <a:avLst/>
@@ -847,8 +846,8 @@
         </p:nvSpPr>
         <p:spPr>
           <a:xfrm>
-            <a:off x="381175" y="685800"/>
-            <a:ext cx="6096299" cy="3429000"/>
+            <a:off x="381000" y="685800"/>
+            <a:ext cx="6096000" cy="3429000"/>
           </a:xfrm>
           <a:custGeom>
             <a:avLst/>
@@ -1008,7 +1007,7 @@
               </a:spcBef>
               <a:buNone/>
             </a:pPr>
-            <a:endParaRPr b="1"/>
+            <a:endParaRPr b="1" dirty="0"/>
           </a:p>
         </p:txBody>
       </p:sp>
@@ -1150,8 +1149,8 @@
         </p:nvSpPr>
         <p:spPr>
           <a:xfrm>
-            <a:off x="381175" y="685800"/>
-            <a:ext cx="6096299" cy="3429000"/>
+            <a:off x="381000" y="685800"/>
+            <a:ext cx="6096000" cy="3429000"/>
           </a:xfrm>
           <a:custGeom>
             <a:avLst/>
@@ -1251,8 +1250,8 @@
         </p:nvSpPr>
         <p:spPr>
           <a:xfrm>
-            <a:off x="381175" y="685800"/>
-            <a:ext cx="6096299" cy="3429000"/>
+            <a:off x="381000" y="685800"/>
+            <a:ext cx="6096000" cy="3429000"/>
           </a:xfrm>
           <a:custGeom>
             <a:avLst/>
@@ -1352,8 +1351,8 @@
         </p:nvSpPr>
         <p:spPr>
           <a:xfrm>
-            <a:off x="381175" y="685800"/>
-            <a:ext cx="6096299" cy="3429000"/>
+            <a:off x="381000" y="685800"/>
+            <a:ext cx="6096000" cy="3429000"/>
           </a:xfrm>
           <a:custGeom>
             <a:avLst/>
@@ -1709,7 +1708,7 @@
           </a:bodyPr>
           <a:lstStyle/>
           <a:p>
-            <a:pPr lvl="0">
+            <a:pPr lvl="0" rtl="0">
               <a:spcBef>
                 <a:spcPts val="0"/>
               </a:spcBef>
@@ -1756,8 +1755,8 @@
         </p:nvSpPr>
         <p:spPr>
           <a:xfrm>
-            <a:off x="381175" y="685800"/>
-            <a:ext cx="6096299" cy="3429000"/>
+            <a:off x="381000" y="685800"/>
+            <a:ext cx="6096000" cy="3429000"/>
           </a:xfrm>
           <a:custGeom>
             <a:avLst/>
@@ -1967,8 +1966,8 @@
         </p:nvSpPr>
         <p:spPr>
           <a:xfrm>
-            <a:off x="381175" y="685800"/>
-            <a:ext cx="6096299" cy="3429000"/>
+            <a:off x="381000" y="685800"/>
+            <a:ext cx="6096000" cy="3429000"/>
           </a:xfrm>
           <a:custGeom>
             <a:avLst/>
@@ -2169,8 +2168,8 @@
         </p:nvSpPr>
         <p:spPr>
           <a:xfrm>
-            <a:off x="381175" y="685800"/>
-            <a:ext cx="6096299" cy="3429000"/>
+            <a:off x="381000" y="685800"/>
+            <a:ext cx="6096000" cy="3429000"/>
           </a:xfrm>
           <a:custGeom>
             <a:avLst/>
@@ -2330,6 +2329,10 @@
               </a:spcBef>
               <a:buNone/>
             </a:pPr>
+            <a:r>
+              <a:rPr lang="en" dirty="0" smtClean="0"/>
+              <a:t>”</a:t>
+            </a:r>
             <a:endParaRPr lang="en" dirty="0"/>
           </a:p>
         </p:txBody>
@@ -2371,8 +2374,8 @@
         </p:nvSpPr>
         <p:spPr>
           <a:xfrm>
-            <a:off x="381175" y="685800"/>
-            <a:ext cx="6096299" cy="3429000"/>
+            <a:off x="381000" y="685800"/>
+            <a:ext cx="6096000" cy="3429000"/>
           </a:xfrm>
           <a:custGeom>
             <a:avLst/>
@@ -2472,8 +2475,8 @@
         </p:nvSpPr>
         <p:spPr>
           <a:xfrm>
-            <a:off x="381175" y="685800"/>
-            <a:ext cx="6096299" cy="3429000"/>
+            <a:off x="381000" y="685800"/>
+            <a:ext cx="6096000" cy="3429000"/>
           </a:xfrm>
           <a:custGeom>
             <a:avLst/>
@@ -6677,6 +6680,404 @@
           </p:txBody>
         </p:sp>
       </p:grpSp>
+      <p:sp>
+        <p:nvSpPr>
+          <p:cNvPr id="9" name="Shape 103"/>
+          <p:cNvSpPr txBox="1">
+            <a:spLocks/>
+          </p:cNvSpPr>
+          <p:nvPr/>
+        </p:nvSpPr>
+        <p:spPr>
+          <a:xfrm>
+            <a:off x="6220181" y="3889237"/>
+            <a:ext cx="2041317" cy="1013746"/>
+          </a:xfrm>
+          <a:prstGeom prst="rect">
+            <a:avLst/>
+          </a:prstGeom>
+          <a:noFill/>
+          <a:ln>
+            <a:noFill/>
+          </a:ln>
+        </p:spPr>
+        <p:txBody>
+          <a:bodyPr lIns="91425" tIns="91425" rIns="91425" bIns="91425" anchor="ctr" anchorCtr="0">
+            <a:noAutofit/>
+          </a:bodyPr>
+          <a:lstStyle>
+            <a:defPPr marR="0" lvl="0" algn="l" rtl="0">
+              <a:lnSpc>
+                <a:spcPct val="100000"/>
+              </a:lnSpc>
+              <a:spcBef>
+                <a:spcPts val="0"/>
+              </a:spcBef>
+              <a:spcAft>
+                <a:spcPts val="0"/>
+              </a:spcAft>
+            </a:defPPr>
+            <a:lvl1pPr marR="0" lvl="0" algn="l" rtl="0">
+              <a:lnSpc>
+                <a:spcPct val="100000"/>
+              </a:lnSpc>
+              <a:spcBef>
+                <a:spcPts val="600"/>
+              </a:spcBef>
+              <a:spcAft>
+                <a:spcPts val="0"/>
+              </a:spcAft>
+              <a:buClr>
+                <a:srgbClr val="FFCD00"/>
+              </a:buClr>
+              <a:buSzPct val="100000"/>
+              <a:buFont typeface="Quattrocento Sans"/>
+              <a:buChar char="◉"/>
+              <a:defRPr sz="2400" b="0" i="0" u="none" strike="noStrike" cap="none">
+                <a:solidFill>
+                  <a:srgbClr val="000000"/>
+                </a:solidFill>
+                <a:latin typeface="Quattrocento Sans"/>
+                <a:ea typeface="Quattrocento Sans"/>
+                <a:cs typeface="Quattrocento Sans"/>
+                <a:sym typeface="Quattrocento Sans"/>
+              </a:defRPr>
+            </a:lvl1pPr>
+            <a:lvl2pPr marR="0" lvl="1" algn="l" rtl="0">
+              <a:lnSpc>
+                <a:spcPct val="100000"/>
+              </a:lnSpc>
+              <a:spcBef>
+                <a:spcPts val="480"/>
+              </a:spcBef>
+              <a:spcAft>
+                <a:spcPts val="0"/>
+              </a:spcAft>
+              <a:buClr>
+                <a:srgbClr val="FFCD00"/>
+              </a:buClr>
+              <a:buSzPct val="100000"/>
+              <a:buFont typeface="Quattrocento Sans"/>
+              <a:buNone/>
+              <a:defRPr sz="2000" b="0" i="0" u="none" strike="noStrike" cap="none">
+                <a:solidFill>
+                  <a:srgbClr val="000000"/>
+                </a:solidFill>
+                <a:latin typeface="Quattrocento Sans"/>
+                <a:ea typeface="Quattrocento Sans"/>
+                <a:cs typeface="Quattrocento Sans"/>
+                <a:sym typeface="Quattrocento Sans"/>
+              </a:defRPr>
+            </a:lvl2pPr>
+            <a:lvl3pPr marR="0" lvl="2" algn="l" rtl="0">
+              <a:lnSpc>
+                <a:spcPct val="100000"/>
+              </a:lnSpc>
+              <a:spcBef>
+                <a:spcPts val="480"/>
+              </a:spcBef>
+              <a:spcAft>
+                <a:spcPts val="0"/>
+              </a:spcAft>
+              <a:buClr>
+                <a:srgbClr val="FFCD00"/>
+              </a:buClr>
+              <a:buSzPct val="100000"/>
+              <a:buFont typeface="Quattrocento Sans"/>
+              <a:buNone/>
+              <a:defRPr sz="2000" b="0" i="0" u="none" strike="noStrike" cap="none">
+                <a:solidFill>
+                  <a:srgbClr val="000000"/>
+                </a:solidFill>
+                <a:latin typeface="Quattrocento Sans"/>
+                <a:ea typeface="Quattrocento Sans"/>
+                <a:cs typeface="Quattrocento Sans"/>
+                <a:sym typeface="Quattrocento Sans"/>
+              </a:defRPr>
+            </a:lvl3pPr>
+            <a:lvl4pPr marR="0" lvl="3" algn="l" rtl="0">
+              <a:lnSpc>
+                <a:spcPct val="100000"/>
+              </a:lnSpc>
+              <a:spcBef>
+                <a:spcPts val="360"/>
+              </a:spcBef>
+              <a:spcAft>
+                <a:spcPts val="0"/>
+              </a:spcAft>
+              <a:buClr>
+                <a:srgbClr val="FFCD00"/>
+              </a:buClr>
+              <a:buSzPct val="100000"/>
+              <a:buFont typeface="Quattrocento Sans"/>
+              <a:buNone/>
+              <a:defRPr sz="1800" b="0" i="0" u="none" strike="noStrike" cap="none">
+                <a:solidFill>
+                  <a:srgbClr val="000000"/>
+                </a:solidFill>
+                <a:latin typeface="Quattrocento Sans"/>
+                <a:ea typeface="Quattrocento Sans"/>
+                <a:cs typeface="Quattrocento Sans"/>
+                <a:sym typeface="Quattrocento Sans"/>
+              </a:defRPr>
+            </a:lvl4pPr>
+            <a:lvl5pPr marR="0" lvl="4" algn="l" rtl="0">
+              <a:lnSpc>
+                <a:spcPct val="100000"/>
+              </a:lnSpc>
+              <a:spcBef>
+                <a:spcPts val="360"/>
+              </a:spcBef>
+              <a:spcAft>
+                <a:spcPts val="0"/>
+              </a:spcAft>
+              <a:buClr>
+                <a:srgbClr val="FFCD00"/>
+              </a:buClr>
+              <a:buSzPct val="100000"/>
+              <a:buFont typeface="Quattrocento Sans"/>
+              <a:buNone/>
+              <a:defRPr sz="1800" b="0" i="0" u="none" strike="noStrike" cap="none">
+                <a:solidFill>
+                  <a:srgbClr val="000000"/>
+                </a:solidFill>
+                <a:latin typeface="Quattrocento Sans"/>
+                <a:ea typeface="Quattrocento Sans"/>
+                <a:cs typeface="Quattrocento Sans"/>
+                <a:sym typeface="Quattrocento Sans"/>
+              </a:defRPr>
+            </a:lvl5pPr>
+            <a:lvl6pPr marR="0" lvl="5" algn="l" rtl="0">
+              <a:lnSpc>
+                <a:spcPct val="100000"/>
+              </a:lnSpc>
+              <a:spcBef>
+                <a:spcPts val="360"/>
+              </a:spcBef>
+              <a:spcAft>
+                <a:spcPts val="0"/>
+              </a:spcAft>
+              <a:buClr>
+                <a:srgbClr val="FFCD00"/>
+              </a:buClr>
+              <a:buSzPct val="100000"/>
+              <a:buFont typeface="Quattrocento Sans"/>
+              <a:buNone/>
+              <a:defRPr sz="1800" b="0" i="0" u="none" strike="noStrike" cap="none">
+                <a:solidFill>
+                  <a:srgbClr val="000000"/>
+                </a:solidFill>
+                <a:latin typeface="Quattrocento Sans"/>
+                <a:ea typeface="Quattrocento Sans"/>
+                <a:cs typeface="Quattrocento Sans"/>
+                <a:sym typeface="Quattrocento Sans"/>
+              </a:defRPr>
+            </a:lvl6pPr>
+            <a:lvl7pPr marR="0" lvl="6" algn="l" rtl="0">
+              <a:lnSpc>
+                <a:spcPct val="100000"/>
+              </a:lnSpc>
+              <a:spcBef>
+                <a:spcPts val="360"/>
+              </a:spcBef>
+              <a:spcAft>
+                <a:spcPts val="0"/>
+              </a:spcAft>
+              <a:buClr>
+                <a:srgbClr val="FFCD00"/>
+              </a:buClr>
+              <a:buSzPct val="100000"/>
+              <a:buFont typeface="Quattrocento Sans"/>
+              <a:buNone/>
+              <a:defRPr sz="1800" b="0" i="0" u="none" strike="noStrike" cap="none">
+                <a:solidFill>
+                  <a:srgbClr val="000000"/>
+                </a:solidFill>
+                <a:latin typeface="Quattrocento Sans"/>
+                <a:ea typeface="Quattrocento Sans"/>
+                <a:cs typeface="Quattrocento Sans"/>
+                <a:sym typeface="Quattrocento Sans"/>
+              </a:defRPr>
+            </a:lvl7pPr>
+            <a:lvl8pPr marR="0" lvl="7" algn="l" rtl="0">
+              <a:lnSpc>
+                <a:spcPct val="100000"/>
+              </a:lnSpc>
+              <a:spcBef>
+                <a:spcPts val="360"/>
+              </a:spcBef>
+              <a:spcAft>
+                <a:spcPts val="0"/>
+              </a:spcAft>
+              <a:buClr>
+                <a:srgbClr val="FFCD00"/>
+              </a:buClr>
+              <a:buSzPct val="100000"/>
+              <a:buFont typeface="Quattrocento Sans"/>
+              <a:buNone/>
+              <a:defRPr sz="1800" b="0" i="0" u="none" strike="noStrike" cap="none">
+                <a:solidFill>
+                  <a:srgbClr val="000000"/>
+                </a:solidFill>
+                <a:latin typeface="Quattrocento Sans"/>
+                <a:ea typeface="Quattrocento Sans"/>
+                <a:cs typeface="Quattrocento Sans"/>
+                <a:sym typeface="Quattrocento Sans"/>
+              </a:defRPr>
+            </a:lvl8pPr>
+            <a:lvl9pPr marR="0" lvl="8" algn="l" rtl="0">
+              <a:lnSpc>
+                <a:spcPct val="100000"/>
+              </a:lnSpc>
+              <a:spcBef>
+                <a:spcPts val="360"/>
+              </a:spcBef>
+              <a:spcAft>
+                <a:spcPts val="0"/>
+              </a:spcAft>
+              <a:buClr>
+                <a:srgbClr val="FFCD00"/>
+              </a:buClr>
+              <a:buSzPct val="100000"/>
+              <a:buFont typeface="Quattrocento Sans"/>
+              <a:buNone/>
+              <a:defRPr sz="1800" b="0" i="0" u="none" strike="noStrike" cap="none">
+                <a:solidFill>
+                  <a:srgbClr val="000000"/>
+                </a:solidFill>
+                <a:latin typeface="Quattrocento Sans"/>
+                <a:ea typeface="Quattrocento Sans"/>
+                <a:cs typeface="Quattrocento Sans"/>
+                <a:sym typeface="Quattrocento Sans"/>
+              </a:defRPr>
+            </a:lvl9pPr>
+          </a:lstStyle>
+          <a:p>
+            <a:pPr>
+              <a:spcBef>
+                <a:spcPts val="0"/>
+              </a:spcBef>
+              <a:buClr>
+                <a:schemeClr val="dk1"/>
+              </a:buClr>
+              <a:buSzPct val="55000"/>
+              <a:buFont typeface="Arial"/>
+              <a:buNone/>
+            </a:pPr>
+            <a:r>
+              <a:rPr lang="en" sz="1100" b="1" dirty="0" smtClean="0">
+                <a:solidFill>
+                  <a:schemeClr val="dk1"/>
+                </a:solidFill>
+                <a:highlight>
+                  <a:srgbClr val="FFCD00"/>
+                </a:highlight>
+                <a:latin typeface="Lora"/>
+                <a:ea typeface="Lora"/>
+                <a:cs typeface="Lora"/>
+                <a:sym typeface="Lora"/>
+              </a:rPr>
+              <a:t>Submitted</a:t>
+            </a:r>
+            <a:r>
+              <a:rPr lang="en" sz="1100" b="1" dirty="0" smtClean="0">
+                <a:solidFill>
+                  <a:schemeClr val="dk1"/>
+                </a:solidFill>
+                <a:latin typeface="Lora"/>
+                <a:ea typeface="Lora"/>
+                <a:cs typeface="Lora"/>
+                <a:sym typeface="Lora"/>
+              </a:rPr>
+              <a:t> By-</a:t>
+            </a:r>
+          </a:p>
+          <a:p>
+            <a:pPr>
+              <a:spcBef>
+                <a:spcPts val="0"/>
+              </a:spcBef>
+              <a:buClr>
+                <a:schemeClr val="dk1"/>
+              </a:buClr>
+              <a:buSzPct val="55000"/>
+              <a:buFont typeface="Arial"/>
+              <a:buNone/>
+            </a:pPr>
+            <a:r>
+              <a:rPr lang="en" sz="1100" b="1" dirty="0" smtClean="0">
+                <a:solidFill>
+                  <a:schemeClr val="dk1"/>
+                </a:solidFill>
+                <a:latin typeface="Lora"/>
+                <a:ea typeface="Lora"/>
+                <a:cs typeface="Lora"/>
+                <a:sym typeface="Lora"/>
+              </a:rPr>
+              <a:t>Rajat Aghi</a:t>
+            </a:r>
+          </a:p>
+          <a:p>
+            <a:pPr>
+              <a:spcBef>
+                <a:spcPts val="0"/>
+              </a:spcBef>
+              <a:buClr>
+                <a:schemeClr val="dk1"/>
+              </a:buClr>
+              <a:buSzPct val="55000"/>
+              <a:buFont typeface="Arial"/>
+              <a:buNone/>
+            </a:pPr>
+            <a:r>
+              <a:rPr lang="en" sz="1100" b="1" dirty="0" smtClean="0">
+                <a:solidFill>
+                  <a:schemeClr val="dk1"/>
+                </a:solidFill>
+                <a:latin typeface="Lora"/>
+                <a:ea typeface="Lora"/>
+                <a:cs typeface="Lora"/>
+                <a:sym typeface="Lora"/>
+              </a:rPr>
+              <a:t>Ruchira Kapoor</a:t>
+            </a:r>
+          </a:p>
+          <a:p>
+            <a:pPr>
+              <a:spcBef>
+                <a:spcPts val="0"/>
+              </a:spcBef>
+              <a:buClr>
+                <a:schemeClr val="dk1"/>
+              </a:buClr>
+              <a:buSzPct val="55000"/>
+              <a:buFont typeface="Arial"/>
+              <a:buNone/>
+            </a:pPr>
+            <a:r>
+              <a:rPr lang="en" sz="1100" b="1" dirty="0" smtClean="0">
+                <a:solidFill>
+                  <a:schemeClr val="dk1"/>
+                </a:solidFill>
+                <a:latin typeface="Lora"/>
+                <a:ea typeface="Lora"/>
+                <a:cs typeface="Lora"/>
+                <a:sym typeface="Lora"/>
+              </a:rPr>
+              <a:t>Binghuan Zhang</a:t>
+            </a:r>
+            <a:endParaRPr lang="en" sz="2000" b="1" dirty="0" smtClean="0">
+              <a:solidFill>
+                <a:schemeClr val="dk1"/>
+              </a:solidFill>
+              <a:latin typeface="Lora"/>
+              <a:ea typeface="Lora"/>
+              <a:cs typeface="Lora"/>
+              <a:sym typeface="Lora"/>
+            </a:endParaRPr>
+          </a:p>
+        </p:txBody>
+      </p:sp>
     </p:spTree>
   </p:cSld>
   <p:clrMapOvr>
@@ -12267,7 +12668,7 @@
               <a:buNone/>
             </a:pPr>
             <a:r>
-              <a:rPr lang="en" sz="1800"/>
+              <a:rPr lang="en" sz="1800" dirty="0"/>
               <a:t>References</a:t>
             </a:r>
           </a:p>
@@ -12313,89 +12714,9 @@
             </a:r>
             <a:r>
               <a:rPr lang="en" sz="1400" dirty="0">
-                <a:solidFill>
-                  <a:schemeClr val="dk1"/>
-                </a:solidFill>
-                <a:latin typeface="Times New Roman"/>
-                <a:ea typeface="Times New Roman"/>
-                <a:cs typeface="Times New Roman"/>
                 <a:sym typeface="Times New Roman"/>
               </a:rPr>
-              <a:t>UCI Machine Learning Repository: Data Set. (2015, May 31). </a:t>
-            </a:r>
-            <a:r>
-              <a:rPr lang="en" sz="1400" i="1" dirty="0">
-                <a:solidFill>
-                  <a:schemeClr val="dk1"/>
-                </a:solidFill>
-                <a:latin typeface="Times New Roman"/>
-                <a:ea typeface="Times New Roman"/>
-                <a:cs typeface="Times New Roman"/>
-                <a:sym typeface="Times New Roman"/>
-              </a:rPr>
-              <a:t>Online News Popularity Dataset.</a:t>
-            </a:r>
-            <a:r>
-              <a:rPr lang="en" sz="1400" dirty="0">
-                <a:solidFill>
-                  <a:schemeClr val="dk1"/>
-                </a:solidFill>
-                <a:latin typeface="Times New Roman"/>
-                <a:ea typeface="Times New Roman"/>
-                <a:cs typeface="Times New Roman"/>
-                <a:sym typeface="Times New Roman"/>
-              </a:rPr>
-              <a:t> Retrieved from</a:t>
-            </a:r>
-            <a:r>
-              <a:rPr lang="en" sz="1400" dirty="0">
-                <a:solidFill>
-                  <a:schemeClr val="dk1"/>
-                </a:solidFill>
-                <a:latin typeface="Times New Roman"/>
-                <a:ea typeface="Times New Roman"/>
-                <a:cs typeface="Times New Roman"/>
-                <a:sym typeface="Times New Roman"/>
-                <a:hlinkClick r:id="rId3"/>
-              </a:rPr>
-              <a:t> </a:t>
-            </a:r>
-            <a:r>
-              <a:rPr lang="en" sz="1400" u="sng" dirty="0">
-                <a:solidFill>
-                  <a:schemeClr val="hlink"/>
-                </a:solidFill>
-                <a:latin typeface="Times New Roman"/>
-                <a:ea typeface="Times New Roman"/>
-                <a:cs typeface="Times New Roman"/>
-                <a:sym typeface="Times New Roman"/>
-                <a:hlinkClick r:id="rId3"/>
-              </a:rPr>
-              <a:t>https://archive.ics.uci.edu/ml/datasets/Online News Popularity#</a:t>
-            </a:r>
-            <a:r>
-              <a:rPr lang="en" sz="1400" u="sng" dirty="0">
-                <a:solidFill>
-                  <a:schemeClr val="dk1"/>
-                </a:solidFill>
-                <a:latin typeface="Times New Roman"/>
-                <a:ea typeface="Times New Roman"/>
-                <a:cs typeface="Times New Roman"/>
-                <a:sym typeface="Times New Roman"/>
-              </a:rPr>
-              <a:t> </a:t>
-            </a:r>
-            <a:r>
-              <a:rPr lang="en" sz="1400" dirty="0">
-                <a:solidFill>
-                  <a:schemeClr val="dk1"/>
-                </a:solidFill>
-                <a:latin typeface="Times New Roman"/>
-                <a:ea typeface="Times New Roman"/>
-                <a:cs typeface="Times New Roman"/>
-                <a:sym typeface="Times New Roman"/>
-              </a:rPr>
-              <a:t>on Sep 26, 2016 11:15:23 AM.</a:t>
+              <a:t>UCI Machine Learning Repository: Data Set. (2015, May 31). Online News Popularity Dataset. Retrieved from https://archive.ics.uci.edu/ml/datasets/Online News Popularity# on Sep 26, 2016 11:15:23 AM.</a:t>
             </a:r>
           </a:p>
           <a:p>
@@ -12416,36 +12737,22 @@
             </a:endParaRPr>
           </a:p>
           <a:p>
-            <a:pPr marL="457200" lvl="0" indent="-228600" rtl="0">
+            <a:pPr marL="457200" indent="-228600">
               <a:spcBef>
                 <a:spcPts val="0"/>
               </a:spcBef>
             </a:pPr>
             <a:r>
               <a:rPr lang="en" b="1" dirty="0"/>
-              <a:t>Presentation Template:</a:t>
+              <a:t>Presentation Template: </a:t>
             </a:r>
             <a:r>
-              <a:rPr lang="en" dirty="0"/>
-              <a:t> </a:t>
-            </a:r>
-            <a:r>
-              <a:rPr lang="en" sz="1800" u="sng" dirty="0">
-                <a:solidFill>
-                  <a:schemeClr val="hlink"/>
-                </a:solidFill>
-                <a:latin typeface="Times New Roman"/>
-                <a:ea typeface="Times New Roman"/>
-                <a:cs typeface="Times New Roman"/>
+              <a:rPr lang="en" sz="1400" dirty="0">
                 <a:sym typeface="Times New Roman"/>
-                <a:hlinkClick r:id="rId4"/>
               </a:rPr>
               <a:t>http://www.slidescarnival.com/</a:t>
             </a:r>
-            <a:endParaRPr lang="en" sz="1800" dirty="0">
-              <a:ea typeface="Times New Roman"/>
-              <a:cs typeface="Times New Roman"/>
-            </a:endParaRPr>
+            <a:endParaRPr lang="en" sz="1400" dirty="0"/>
           </a:p>
           <a:p>
             <a:pPr marL="228600" lvl="0" rtl="0">
@@ -12457,44 +12764,52 @@
             <a:endParaRPr lang="en" sz="1800" dirty="0"/>
           </a:p>
           <a:p>
-            <a:pPr marL="457200" lvl="0" indent="-228600">
+            <a:pPr marL="457200" indent="-228600">
               <a:spcBef>
                 <a:spcPts val="0"/>
               </a:spcBef>
             </a:pPr>
             <a:r>
               <a:rPr lang="en-US" b="1" dirty="0"/>
-              <a:t>Additional Citation:</a:t>
+              <a:t>Additional Citation: </a:t>
             </a:r>
             <a:r>
-              <a:rPr lang="en-US" sz="1800" dirty="0"/>
-              <a:t> </a:t>
-            </a:r>
-            <a:r>
-              <a:rPr lang="en-US" sz="1400" dirty="0">
-                <a:latin typeface="Times New Roman" panose="02020603050405020304" pitchFamily="18" charset="0"/>
-                <a:cs typeface="Times New Roman" panose="02020603050405020304" pitchFamily="18" charset="0"/>
-              </a:rPr>
+              <a:rPr lang="en-US" sz="1400" dirty="0"/>
               <a:t>K. Fernandes, P. </a:t>
             </a:r>
             <a:r>
-              <a:rPr lang="en-US" sz="1400" dirty="0" err="1">
-                <a:latin typeface="Times New Roman" panose="02020603050405020304" pitchFamily="18" charset="0"/>
-                <a:cs typeface="Times New Roman" panose="02020603050405020304" pitchFamily="18" charset="0"/>
-              </a:rPr>
+              <a:rPr lang="en-US" sz="1400" dirty="0" err="1"/>
               <a:t>Vinagre</a:t>
             </a:r>
             <a:r>
-              <a:rPr lang="en-US" sz="1400" dirty="0">
-                <a:latin typeface="Times New Roman" panose="02020603050405020304" pitchFamily="18" charset="0"/>
-                <a:cs typeface="Times New Roman" panose="02020603050405020304" pitchFamily="18" charset="0"/>
-              </a:rPr>
-              <a:t> and P. Cortez. (2015) A Proactive Intelligent Decision Support System for Predicting the Popularity of Online News. In _Proceedings of the 17th EPIA 2015 - Portuguese Conference on Artificial Intelligence_, September, Coimbra, Portugal.</a:t>
+              <a:rPr lang="en-US" sz="1400" dirty="0"/>
+              <a:t> and P. Cortez. (2015) A Proactive Intelligent Decision Support System for Predicting the Popularity of Online News. </a:t>
             </a:r>
-            <a:endParaRPr lang="en" sz="1400" dirty="0">
-              <a:latin typeface="Times New Roman" panose="02020603050405020304" pitchFamily="18" charset="0"/>
-              <a:cs typeface="Times New Roman" panose="02020603050405020304" pitchFamily="18" charset="0"/>
-            </a:endParaRPr>
+            <a:r>
+              <a:rPr lang="en-US" sz="1400" dirty="0"/>
+              <a:t>In </a:t>
+            </a:r>
+            <a:r>
+              <a:rPr lang="en-US" sz="1400" i="1" dirty="0" smtClean="0"/>
+              <a:t>Proceedings </a:t>
+            </a:r>
+            <a:r>
+              <a:rPr lang="en-US" sz="1400" i="1" dirty="0"/>
+              <a:t>of the 17th EPIA 2015 - Portuguese Conference on Artificial </a:t>
+            </a:r>
+            <a:r>
+              <a:rPr lang="en-US" sz="1400" i="1" dirty="0" smtClean="0"/>
+              <a:t>Intelligence</a:t>
+            </a:r>
+            <a:r>
+              <a:rPr lang="en-US" sz="1400" dirty="0" smtClean="0"/>
+              <a:t>, </a:t>
+            </a:r>
+            <a:r>
+              <a:rPr lang="en-US" sz="1400" dirty="0"/>
+              <a:t>September, Coimbra, Portugal.</a:t>
+            </a:r>
+            <a:endParaRPr lang="en" sz="1400" dirty="0"/>
           </a:p>
         </p:txBody>
       </p:sp>
@@ -22391,7 +22706,7 @@
         </p:nvSpPr>
         <p:spPr>
           <a:xfrm>
-            <a:off x="8073187" y="1160893"/>
+            <a:off x="8110916" y="1160893"/>
             <a:ext cx="265200" cy="74100"/>
           </a:xfrm>
           <a:prstGeom prst="rightArrow">
@@ -22437,7 +22752,7 @@
         </p:nvSpPr>
         <p:spPr>
           <a:xfrm>
-            <a:off x="8090431" y="1535034"/>
+            <a:off x="8110916" y="1538980"/>
             <a:ext cx="265200" cy="74100"/>
           </a:xfrm>
           <a:prstGeom prst="rightArrow">
@@ -22483,7 +22798,7 @@
         </p:nvSpPr>
         <p:spPr>
           <a:xfrm>
-            <a:off x="8090431" y="1909175"/>
+            <a:off x="8110916" y="1909175"/>
             <a:ext cx="265200" cy="74100"/>
           </a:xfrm>
           <a:prstGeom prst="rightArrow">
@@ -22529,7 +22844,7 @@
         </p:nvSpPr>
         <p:spPr>
           <a:xfrm>
-            <a:off x="8064243" y="2248991"/>
+            <a:off x="8110916" y="2265145"/>
             <a:ext cx="265200" cy="74100"/>
           </a:xfrm>
           <a:prstGeom prst="rightArrow">
@@ -22575,7 +22890,7 @@
         </p:nvSpPr>
         <p:spPr>
           <a:xfrm>
-            <a:off x="8064243" y="2623132"/>
+            <a:off x="8110916" y="2623132"/>
             <a:ext cx="265200" cy="74100"/>
           </a:xfrm>
           <a:prstGeom prst="rightArrow">
